--- a/발표자료/2DGP_프로젝트_3차.pptx
+++ b/발표자료/2DGP_프로젝트_3차.pptx
@@ -1365,7 +1365,7 @@
           <a:bodyPr/>
           <a:lstStyle/>
           <a:p>
-            <a:endParaRPr lang="ko-KR" altLang="en-US"/>
+            <a:endParaRPr lang="ko-KR" altLang="en-US" dirty="0"/>
           </a:p>
         </p:txBody>
       </p:sp>
@@ -6077,14 +6077,14 @@
           <p:nvPr>
             <p:extLst>
               <p:ext uri="{D42A27DB-BD31-4B8C-83A1-F6EECF244321}">
-                <p14:modId xmlns:p14="http://schemas.microsoft.com/office/powerpoint/2010/main" val="2174032396"/>
+                <p14:modId xmlns:p14="http://schemas.microsoft.com/office/powerpoint/2010/main" val="3774671417"/>
               </p:ext>
             </p:extLst>
           </p:nvPr>
         </p:nvGraphicFramePr>
         <p:xfrm>
           <a:off x="636104" y="1037742"/>
-          <a:ext cx="11029422" cy="5058256"/>
+          <a:ext cx="11029422" cy="5091454"/>
         </p:xfrm>
         <a:graphic>
           <a:graphicData uri="http://schemas.openxmlformats.org/drawingml/2006/table">
@@ -6122,7 +6122,7 @@
                   </a:extLst>
                 </a:gridCol>
               </a:tblGrid>
-              <a:tr h="722567">
+              <a:tr h="727309">
                 <a:tc>
                   <a:txBody>
                     <a:bodyPr/>
@@ -6135,7 +6135,13 @@
                       </a:r>
                     </a:p>
                   </a:txBody>
-                  <a:tcPr anchor="ctr"/>
+                  <a:tcPr anchor="ctr">
+                    <a:solidFill>
+                      <a:schemeClr val="tx2">
+                        <a:lumMod val="75000"/>
+                      </a:schemeClr>
+                    </a:solidFill>
+                  </a:tcPr>
                 </a:tc>
                 <a:tc>
                   <a:txBody>
@@ -6165,7 +6171,13 @@
                       </a:r>
                     </a:p>
                   </a:txBody>
-                  <a:tcPr anchor="ctr"/>
+                  <a:tcPr anchor="ctr">
+                    <a:solidFill>
+                      <a:schemeClr val="tx2">
+                        <a:lumMod val="75000"/>
+                      </a:schemeClr>
+                    </a:solidFill>
+                  </a:tcPr>
                 </a:tc>
                 <a:tc>
                   <a:txBody>
@@ -6179,7 +6191,13 @@
                       </a:r>
                     </a:p>
                   </a:txBody>
-                  <a:tcPr anchor="ctr"/>
+                  <a:tcPr anchor="ctr">
+                    <a:solidFill>
+                      <a:schemeClr val="tx2">
+                        <a:lumMod val="75000"/>
+                      </a:schemeClr>
+                    </a:solidFill>
+                  </a:tcPr>
                 </a:tc>
                 <a:tc>
                   <a:txBody>
@@ -6193,7 +6211,13 @@
                       </a:r>
                     </a:p>
                   </a:txBody>
-                  <a:tcPr anchor="ctr"/>
+                  <a:tcPr anchor="ctr">
+                    <a:solidFill>
+                      <a:schemeClr val="tx2">
+                        <a:lumMod val="75000"/>
+                      </a:schemeClr>
+                    </a:solidFill>
+                  </a:tcPr>
                 </a:tc>
                 <a:extLst>
                   <a:ext uri="{0D108BD9-81ED-4DB2-BD59-A6C34878D82A}">
@@ -6201,7 +6225,7 @@
                   </a:ext>
                 </a:extLst>
               </a:tr>
-              <a:tr h="1081222">
+              <a:tr h="1088318">
                 <a:tc>
                   <a:txBody>
                     <a:bodyPr/>
@@ -6292,7 +6316,7 @@
                   </a:ext>
                 </a:extLst>
               </a:tr>
-              <a:tr h="1261427">
+              <a:tr h="1269706">
                 <a:tc>
                   <a:txBody>
                     <a:bodyPr/>
@@ -6412,7 +6436,7 @@
                   </a:ext>
                 </a:extLst>
               </a:tr>
-              <a:tr h="1993040">
+              <a:tr h="2006121">
                 <a:tc>
                   <a:txBody>
                     <a:bodyPr/>
@@ -6660,14 +6684,14 @@
           <p:nvPr>
             <p:extLst>
               <p:ext uri="{D42A27DB-BD31-4B8C-83A1-F6EECF244321}">
-                <p14:modId xmlns:p14="http://schemas.microsoft.com/office/powerpoint/2010/main" val="2199351730"/>
+                <p14:modId xmlns:p14="http://schemas.microsoft.com/office/powerpoint/2010/main" val="181282220"/>
               </p:ext>
             </p:extLst>
           </p:nvPr>
         </p:nvGraphicFramePr>
         <p:xfrm>
           <a:off x="636104" y="1079309"/>
-          <a:ext cx="11029422" cy="5177661"/>
+          <a:ext cx="11029422" cy="5166942"/>
         </p:xfrm>
         <a:graphic>
           <a:graphicData uri="http://schemas.openxmlformats.org/drawingml/2006/table">
@@ -6705,7 +6729,7 @@
                   </a:extLst>
                 </a:gridCol>
               </a:tblGrid>
-              <a:tr h="605813">
+              <a:tr h="631796">
                 <a:tc>
                   <a:txBody>
                     <a:bodyPr/>
@@ -6718,7 +6742,13 @@
                       </a:r>
                     </a:p>
                   </a:txBody>
-                  <a:tcPr anchor="ctr"/>
+                  <a:tcPr anchor="ctr">
+                    <a:solidFill>
+                      <a:schemeClr val="tx2">
+                        <a:lumMod val="75000"/>
+                      </a:schemeClr>
+                    </a:solidFill>
+                  </a:tcPr>
                 </a:tc>
                 <a:tc>
                   <a:txBody>
@@ -6748,7 +6778,13 @@
                       </a:r>
                     </a:p>
                   </a:txBody>
-                  <a:tcPr anchor="ctr"/>
+                  <a:tcPr anchor="ctr">
+                    <a:solidFill>
+                      <a:schemeClr val="tx2">
+                        <a:lumMod val="75000"/>
+                      </a:schemeClr>
+                    </a:solidFill>
+                  </a:tcPr>
                 </a:tc>
                 <a:tc>
                   <a:txBody>
@@ -6762,7 +6798,13 @@
                       </a:r>
                     </a:p>
                   </a:txBody>
-                  <a:tcPr anchor="ctr"/>
+                  <a:tcPr anchor="ctr">
+                    <a:solidFill>
+                      <a:schemeClr val="tx2">
+                        <a:lumMod val="75000"/>
+                      </a:schemeClr>
+                    </a:solidFill>
+                  </a:tcPr>
                 </a:tc>
                 <a:tc>
                   <a:txBody>
@@ -6776,7 +6818,13 @@
                       </a:r>
                     </a:p>
                   </a:txBody>
-                  <a:tcPr anchor="ctr"/>
+                  <a:tcPr anchor="ctr">
+                    <a:solidFill>
+                      <a:schemeClr val="tx2">
+                        <a:lumMod val="75000"/>
+                      </a:schemeClr>
+                    </a:solidFill>
+                  </a:tcPr>
                 </a:tc>
                 <a:extLst>
                   <a:ext uri="{0D108BD9-81ED-4DB2-BD59-A6C34878D82A}">
@@ -6784,7 +6832,7 @@
                   </a:ext>
                 </a:extLst>
               </a:tr>
-              <a:tr h="1405098">
+              <a:tr h="1393817">
                 <a:tc>
                   <a:txBody>
                     <a:bodyPr/>
@@ -6864,7 +6912,7 @@
                   </a:ext>
                 </a:extLst>
               </a:tr>
-              <a:tr h="1495751">
+              <a:tr h="1483744">
                 <a:tc>
                   <a:txBody>
                     <a:bodyPr/>
@@ -6952,7 +7000,7 @@
                   </a:ext>
                 </a:extLst>
               </a:tr>
-              <a:tr h="1670999">
+              <a:tr h="1657585">
                 <a:tc>
                   <a:txBody>
                     <a:bodyPr/>
@@ -7104,31 +7152,6 @@
           <a:chExt cx="0" cy="0"/>
         </a:xfrm>
       </p:grpSpPr>
-      <p:sp>
-        <p:nvSpPr>
-          <p:cNvPr id="2" name="제목 1">
-            <a:extLst>
-              <a:ext uri="{FF2B5EF4-FFF2-40B4-BE49-F238E27FC236}">
-                <a16:creationId xmlns:a16="http://schemas.microsoft.com/office/drawing/2014/main" id="{5ECED227-BEC9-8FCF-C730-72A4C0867D1C}"/>
-              </a:ext>
-            </a:extLst>
-          </p:cNvPr>
-          <p:cNvSpPr>
-            <a:spLocks noGrp="1"/>
-          </p:cNvSpPr>
-          <p:nvPr>
-            <p:ph type="title"/>
-          </p:nvPr>
-        </p:nvSpPr>
-        <p:spPr/>
-        <p:txBody>
-          <a:bodyPr/>
-          <a:lstStyle/>
-          <a:p>
-            <a:endParaRPr lang="ko-KR" altLang="en-US" dirty="0"/>
-          </a:p>
-        </p:txBody>
-      </p:sp>
       <p:graphicFrame>
         <p:nvGraphicFramePr>
           <p:cNvPr id="10" name="내용 개체 틀 9">
@@ -7145,14 +7168,14 @@
             <p:ph idx="1"/>
             <p:extLst>
               <p:ext uri="{D42A27DB-BD31-4B8C-83A1-F6EECF244321}">
-                <p14:modId xmlns:p14="http://schemas.microsoft.com/office/powerpoint/2010/main" val="2642081350"/>
+                <p14:modId xmlns:p14="http://schemas.microsoft.com/office/powerpoint/2010/main" val="3076312217"/>
               </p:ext>
             </p:extLst>
           </p:nvPr>
         </p:nvGraphicFramePr>
         <p:xfrm>
-          <a:off x="5084618" y="642594"/>
-          <a:ext cx="6040582" cy="5661864"/>
+          <a:off x="6096000" y="833416"/>
+          <a:ext cx="5220832" cy="5214493"/>
         </p:xfrm>
         <a:graphic>
           <a:graphicData uri="http://schemas.openxmlformats.org/drawingml/2006/table">
@@ -7161,14 +7184,14 @@
                 <a:tableStyleId>{5C22544A-7EE6-4342-B048-85BDC9FD1C3A}</a:tableStyleId>
               </a:tblPr>
               <a:tblGrid>
-                <a:gridCol w="3020291">
+                <a:gridCol w="1802633">
                   <a:extLst>
                     <a:ext uri="{9D8B030D-6E8A-4147-A177-3AD203B41FA5}">
                       <a16:colId xmlns:a16="http://schemas.microsoft.com/office/drawing/2014/main" val="11534248"/>
                     </a:ext>
                   </a:extLst>
                 </a:gridCol>
-                <a:gridCol w="3020291">
+                <a:gridCol w="3418199">
                   <a:extLst>
                     <a:ext uri="{9D8B030D-6E8A-4147-A177-3AD203B41FA5}">
                       <a16:colId xmlns:a16="http://schemas.microsoft.com/office/drawing/2014/main" val="3409061344"/>
@@ -7176,38 +7199,50 @@
                   </a:extLst>
                 </a:gridCol>
               </a:tblGrid>
-              <a:tr h="516924">
+              <a:tr h="515550">
                 <a:tc>
                   <a:txBody>
                     <a:bodyPr/>
                     <a:lstStyle/>
                     <a:p>
-                      <a:pPr latinLnBrk="1"/>
-                      <a:r>
-                        <a:rPr lang="ko-KR" altLang="en-US" dirty="0"/>
+                      <a:pPr algn="ctr" latinLnBrk="1"/>
+                      <a:r>
+                        <a:rPr lang="ko-KR" altLang="en-US" sz="2000" b="1" dirty="0"/>
                         <a:t>주차</a:t>
                       </a:r>
                     </a:p>
                   </a:txBody>
-                  <a:tcPr/>
+                  <a:tcPr anchor="ctr">
+                    <a:solidFill>
+                      <a:schemeClr val="tx2">
+                        <a:lumMod val="75000"/>
+                      </a:schemeClr>
+                    </a:solidFill>
+                  </a:tcPr>
                 </a:tc>
                 <a:tc>
                   <a:txBody>
                     <a:bodyPr/>
                     <a:lstStyle/>
                     <a:p>
-                      <a:pPr latinLnBrk="1"/>
-                      <a:r>
-                        <a:rPr lang="ko-KR" altLang="en-US" dirty="0" err="1"/>
+                      <a:pPr algn="ctr" latinLnBrk="1"/>
+                      <a:r>
+                        <a:rPr lang="ko-KR" altLang="en-US" sz="2000" b="1" dirty="0" err="1"/>
                         <a:t>커밋</a:t>
                       </a:r>
                       <a:r>
-                        <a:rPr lang="ko-KR" altLang="en-US" dirty="0"/>
+                        <a:rPr lang="ko-KR" altLang="en-US" sz="2000" b="1" dirty="0"/>
                         <a:t> 횟수</a:t>
                       </a:r>
                     </a:p>
                   </a:txBody>
-                  <a:tcPr/>
+                  <a:tcPr anchor="ctr">
+                    <a:solidFill>
+                      <a:schemeClr val="tx2">
+                        <a:lumMod val="75000"/>
+                      </a:schemeClr>
+                    </a:solidFill>
+                  </a:tcPr>
                 </a:tc>
                 <a:extLst>
                   <a:ext uri="{0D108BD9-81ED-4DB2-BD59-A6C34878D82A}">
@@ -7215,36 +7250,36 @@
                   </a:ext>
                 </a:extLst>
               </a:tr>
-              <a:tr h="516924">
+              <a:tr h="506850">
                 <a:tc>
                   <a:txBody>
                     <a:bodyPr/>
                     <a:lstStyle/>
                     <a:p>
-                      <a:pPr latinLnBrk="1"/>
-                      <a:r>
-                        <a:rPr lang="en-US" altLang="ko-KR" dirty="0"/>
+                      <a:pPr algn="l" latinLnBrk="1"/>
+                      <a:r>
+                        <a:rPr lang="en-US" altLang="ko-KR" b="1" dirty="0"/>
                         <a:t>10/13 ~ 19</a:t>
                       </a:r>
-                      <a:endParaRPr lang="ko-KR" altLang="en-US" dirty="0"/>
+                      <a:endParaRPr lang="ko-KR" altLang="en-US" b="1" dirty="0"/>
                     </a:p>
                   </a:txBody>
-                  <a:tcPr/>
+                  <a:tcPr anchor="ctr"/>
                 </a:tc>
                 <a:tc>
                   <a:txBody>
                     <a:bodyPr/>
                     <a:lstStyle/>
                     <a:p>
-                      <a:pPr latinLnBrk="1"/>
-                      <a:r>
-                        <a:rPr lang="en-US" altLang="ko-KR" dirty="0"/>
+                      <a:pPr algn="ctr" latinLnBrk="1"/>
+                      <a:r>
+                        <a:rPr lang="en-US" altLang="ko-KR" b="1" dirty="0"/>
                         <a:t>5</a:t>
                       </a:r>
-                      <a:endParaRPr lang="ko-KR" altLang="en-US" dirty="0"/>
+                      <a:endParaRPr lang="ko-KR" altLang="en-US" b="1" dirty="0"/>
                     </a:p>
                   </a:txBody>
-                  <a:tcPr/>
+                  <a:tcPr anchor="ctr"/>
                 </a:tc>
                 <a:extLst>
                   <a:ext uri="{0D108BD9-81ED-4DB2-BD59-A6C34878D82A}">
@@ -7252,7 +7287,7 @@
                   </a:ext>
                 </a:extLst>
               </a:tr>
-              <a:tr h="516924">
+              <a:tr h="506850">
                 <a:tc>
                   <a:txBody>
                     <a:bodyPr/>
@@ -7276,28 +7311,28 @@
                         <a:defRPr/>
                       </a:pPr>
                       <a:r>
-                        <a:rPr lang="en-US" altLang="ko-KR" dirty="0"/>
+                        <a:rPr lang="en-US" altLang="ko-KR" b="1" dirty="0"/>
                         <a:t>10/20 ~ 26</a:t>
                       </a:r>
-                      <a:endParaRPr lang="ko-KR" altLang="en-US" dirty="0"/>
+                      <a:endParaRPr lang="ko-KR" altLang="en-US" b="1" dirty="0"/>
                     </a:p>
                   </a:txBody>
-                  <a:tcPr/>
+                  <a:tcPr anchor="ctr"/>
                 </a:tc>
                 <a:tc>
                   <a:txBody>
                     <a:bodyPr/>
                     <a:lstStyle/>
                     <a:p>
-                      <a:pPr latinLnBrk="1"/>
-                      <a:r>
-                        <a:rPr lang="en-US" altLang="ko-KR" dirty="0"/>
+                      <a:pPr algn="ctr" latinLnBrk="1"/>
+                      <a:r>
+                        <a:rPr lang="en-US" altLang="ko-KR" b="1" dirty="0"/>
                         <a:t>4</a:t>
                       </a:r>
-                      <a:endParaRPr lang="ko-KR" altLang="en-US" dirty="0"/>
+                      <a:endParaRPr lang="ko-KR" altLang="en-US" b="1" dirty="0"/>
                     </a:p>
                   </a:txBody>
-                  <a:tcPr/>
+                  <a:tcPr anchor="ctr"/>
                 </a:tc>
                 <a:extLst>
                   <a:ext uri="{0D108BD9-81ED-4DB2-BD59-A6C34878D82A}">
@@ -7305,7 +7340,7 @@
                   </a:ext>
                 </a:extLst>
               </a:tr>
-              <a:tr h="516924">
+              <a:tr h="640080">
                 <a:tc>
                   <a:txBody>
                     <a:bodyPr/>
@@ -7329,28 +7364,28 @@
                         <a:defRPr/>
                       </a:pPr>
                       <a:r>
-                        <a:rPr lang="en-US" altLang="ko-KR" dirty="0"/>
+                        <a:rPr lang="en-US" altLang="ko-KR" b="1" dirty="0"/>
                         <a:t>10/27 ~ 11/02</a:t>
                       </a:r>
-                      <a:endParaRPr lang="ko-KR" altLang="en-US" dirty="0"/>
+                      <a:endParaRPr lang="ko-KR" altLang="en-US" b="1" dirty="0"/>
                     </a:p>
                   </a:txBody>
-                  <a:tcPr/>
+                  <a:tcPr anchor="ctr"/>
                 </a:tc>
                 <a:tc>
                   <a:txBody>
                     <a:bodyPr/>
                     <a:lstStyle/>
                     <a:p>
-                      <a:pPr latinLnBrk="1"/>
-                      <a:r>
-                        <a:rPr lang="en-US" altLang="ko-KR" dirty="0"/>
+                      <a:pPr algn="ctr" latinLnBrk="1"/>
+                      <a:r>
+                        <a:rPr lang="en-US" altLang="ko-KR" b="1" dirty="0"/>
                         <a:t>2</a:t>
                       </a:r>
-                      <a:endParaRPr lang="ko-KR" altLang="en-US" dirty="0"/>
+                      <a:endParaRPr lang="ko-KR" altLang="en-US" b="1" dirty="0"/>
                     </a:p>
                   </a:txBody>
-                  <a:tcPr/>
+                  <a:tcPr anchor="ctr"/>
                 </a:tc>
                 <a:extLst>
                   <a:ext uri="{0D108BD9-81ED-4DB2-BD59-A6C34878D82A}">
@@ -7358,7 +7393,7 @@
                   </a:ext>
                 </a:extLst>
               </a:tr>
-              <a:tr h="516924">
+              <a:tr h="485236">
                 <a:tc>
                   <a:txBody>
                     <a:bodyPr/>
@@ -7382,32 +7417,28 @@
                         <a:defRPr/>
                       </a:pPr>
                       <a:r>
-                        <a:rPr lang="en-US" altLang="ko-KR" dirty="0"/>
+                        <a:rPr lang="en-US" altLang="ko-KR" b="1" dirty="0"/>
                         <a:t>11/03 ~ 09</a:t>
                       </a:r>
-                      <a:endParaRPr lang="ko-KR" altLang="en-US" dirty="0"/>
-                    </a:p>
-                    <a:p>
-                      <a:pPr latinLnBrk="1"/>
-                      <a:endParaRPr lang="ko-KR" altLang="en-US" dirty="0"/>
+                      <a:endParaRPr lang="ko-KR" altLang="en-US" b="1" dirty="0"/>
                     </a:p>
                   </a:txBody>
-                  <a:tcPr/>
+                  <a:tcPr anchor="ctr"/>
                 </a:tc>
                 <a:tc>
                   <a:txBody>
                     <a:bodyPr/>
                     <a:lstStyle/>
                     <a:p>
-                      <a:pPr latinLnBrk="1"/>
-                      <a:r>
-                        <a:rPr lang="en-US" altLang="ko-KR" dirty="0"/>
+                      <a:pPr algn="ctr" latinLnBrk="1"/>
+                      <a:r>
+                        <a:rPr lang="en-US" altLang="ko-KR" b="1" dirty="0"/>
                         <a:t>2</a:t>
                       </a:r>
-                      <a:endParaRPr lang="ko-KR" altLang="en-US" dirty="0"/>
+                      <a:endParaRPr lang="ko-KR" altLang="en-US" b="1" dirty="0"/>
                     </a:p>
                   </a:txBody>
-                  <a:tcPr/>
+                  <a:tcPr anchor="ctr"/>
                 </a:tc>
                 <a:extLst>
                   <a:ext uri="{0D108BD9-81ED-4DB2-BD59-A6C34878D82A}">
@@ -7415,7 +7446,7 @@
                   </a:ext>
                 </a:extLst>
               </a:tr>
-              <a:tr h="516924">
+              <a:tr h="571491">
                 <a:tc>
                   <a:txBody>
                     <a:bodyPr/>
@@ -7439,32 +7470,28 @@
                         <a:defRPr/>
                       </a:pPr>
                       <a:r>
-                        <a:rPr lang="en-US" altLang="ko-KR" dirty="0"/>
+                        <a:rPr lang="en-US" altLang="ko-KR" b="1" dirty="0"/>
                         <a:t>11/10 ~ 16</a:t>
                       </a:r>
-                      <a:endParaRPr lang="ko-KR" altLang="en-US" dirty="0"/>
-                    </a:p>
-                    <a:p>
-                      <a:pPr latinLnBrk="1"/>
-                      <a:endParaRPr lang="ko-KR" altLang="en-US" dirty="0"/>
+                      <a:endParaRPr lang="ko-KR" altLang="en-US" b="1" dirty="0"/>
                     </a:p>
                   </a:txBody>
-                  <a:tcPr/>
+                  <a:tcPr anchor="ctr"/>
                 </a:tc>
                 <a:tc>
                   <a:txBody>
                     <a:bodyPr/>
                     <a:lstStyle/>
                     <a:p>
-                      <a:pPr latinLnBrk="1"/>
-                      <a:r>
-                        <a:rPr lang="en-US" altLang="ko-KR" dirty="0"/>
+                      <a:pPr algn="ctr" latinLnBrk="1"/>
+                      <a:r>
+                        <a:rPr lang="en-US" altLang="ko-KR" b="1" dirty="0"/>
                         <a:t>6</a:t>
                       </a:r>
-                      <a:endParaRPr lang="ko-KR" altLang="en-US" dirty="0"/>
+                      <a:endParaRPr lang="ko-KR" altLang="en-US" b="1" dirty="0"/>
                     </a:p>
                   </a:txBody>
-                  <a:tcPr/>
+                  <a:tcPr anchor="ctr"/>
                 </a:tc>
                 <a:extLst>
                   <a:ext uri="{0D108BD9-81ED-4DB2-BD59-A6C34878D82A}">
@@ -7472,7 +7499,7 @@
                   </a:ext>
                 </a:extLst>
               </a:tr>
-              <a:tr h="516924">
+              <a:tr h="487368">
                 <a:tc>
                   <a:txBody>
                     <a:bodyPr/>
@@ -7496,32 +7523,28 @@
                         <a:defRPr/>
                       </a:pPr>
                       <a:r>
-                        <a:rPr lang="en-US" altLang="ko-KR" dirty="0"/>
+                        <a:rPr lang="en-US" altLang="ko-KR" b="1" dirty="0"/>
                         <a:t>11/17 ~ 23</a:t>
                       </a:r>
-                      <a:endParaRPr lang="ko-KR" altLang="en-US" dirty="0"/>
-                    </a:p>
-                    <a:p>
-                      <a:pPr latinLnBrk="1"/>
-                      <a:endParaRPr lang="ko-KR" altLang="en-US" dirty="0"/>
+                      <a:endParaRPr lang="ko-KR" altLang="en-US" b="1" dirty="0"/>
                     </a:p>
                   </a:txBody>
-                  <a:tcPr/>
+                  <a:tcPr anchor="ctr"/>
                 </a:tc>
                 <a:tc>
                   <a:txBody>
                     <a:bodyPr/>
                     <a:lstStyle/>
                     <a:p>
-                      <a:pPr latinLnBrk="1"/>
-                      <a:r>
-                        <a:rPr lang="en-US" altLang="ko-KR" dirty="0"/>
+                      <a:pPr algn="ctr" latinLnBrk="1"/>
+                      <a:r>
+                        <a:rPr lang="en-US" altLang="ko-KR" b="1" dirty="0"/>
                         <a:t>10</a:t>
                       </a:r>
-                      <a:endParaRPr lang="ko-KR" altLang="en-US" dirty="0"/>
+                      <a:endParaRPr lang="ko-KR" altLang="en-US" b="1" dirty="0"/>
                     </a:p>
                   </a:txBody>
-                  <a:tcPr/>
+                  <a:tcPr anchor="ctr"/>
                 </a:tc>
                 <a:extLst>
                   <a:ext uri="{0D108BD9-81ED-4DB2-BD59-A6C34878D82A}">
@@ -7529,7 +7552,7 @@
                   </a:ext>
                 </a:extLst>
               </a:tr>
-              <a:tr h="516924">
+              <a:tr h="487368">
                 <a:tc>
                   <a:txBody>
                     <a:bodyPr/>
@@ -7553,32 +7576,28 @@
                         <a:defRPr/>
                       </a:pPr>
                       <a:r>
-                        <a:rPr lang="en-US" altLang="ko-KR" dirty="0"/>
+                        <a:rPr lang="en-US" altLang="ko-KR" b="1" dirty="0"/>
                         <a:t>11/24 ~ 30</a:t>
                       </a:r>
-                      <a:endParaRPr lang="ko-KR" altLang="en-US" dirty="0"/>
-                    </a:p>
-                    <a:p>
-                      <a:pPr latinLnBrk="1"/>
-                      <a:endParaRPr lang="ko-KR" altLang="en-US" dirty="0"/>
+                      <a:endParaRPr lang="ko-KR" altLang="en-US" b="1" dirty="0"/>
                     </a:p>
                   </a:txBody>
-                  <a:tcPr/>
+                  <a:tcPr anchor="ctr"/>
                 </a:tc>
                 <a:tc>
                   <a:txBody>
                     <a:bodyPr/>
                     <a:lstStyle/>
                     <a:p>
-                      <a:pPr latinLnBrk="1"/>
-                      <a:r>
-                        <a:rPr lang="en-US" altLang="ko-KR" dirty="0"/>
+                      <a:pPr algn="ctr" latinLnBrk="1"/>
+                      <a:r>
+                        <a:rPr lang="en-US" altLang="ko-KR" b="1" dirty="0"/>
                         <a:t>9</a:t>
                       </a:r>
-                      <a:endParaRPr lang="ko-KR" altLang="en-US" dirty="0"/>
+                      <a:endParaRPr lang="ko-KR" altLang="en-US" b="1" dirty="0"/>
                     </a:p>
                   </a:txBody>
-                  <a:tcPr/>
+                  <a:tcPr anchor="ctr"/>
                 </a:tc>
                 <a:extLst>
                   <a:ext uri="{0D108BD9-81ED-4DB2-BD59-A6C34878D82A}">
@@ -7586,36 +7605,36 @@
                   </a:ext>
                 </a:extLst>
               </a:tr>
-              <a:tr h="516924">
+              <a:tr h="506850">
                 <a:tc>
                   <a:txBody>
                     <a:bodyPr/>
                     <a:lstStyle/>
                     <a:p>
-                      <a:pPr latinLnBrk="1"/>
-                      <a:r>
-                        <a:rPr lang="en-US" altLang="ko-KR" dirty="0"/>
+                      <a:pPr algn="l" latinLnBrk="1"/>
+                      <a:r>
+                        <a:rPr lang="en-US" altLang="ko-KR" b="1" dirty="0"/>
                         <a:t>12/01~07</a:t>
                       </a:r>
-                      <a:endParaRPr lang="ko-KR" altLang="en-US" dirty="0"/>
+                      <a:endParaRPr lang="ko-KR" altLang="en-US" b="1" dirty="0"/>
                     </a:p>
                   </a:txBody>
-                  <a:tcPr/>
+                  <a:tcPr anchor="ctr"/>
                 </a:tc>
                 <a:tc>
                   <a:txBody>
                     <a:bodyPr/>
                     <a:lstStyle/>
                     <a:p>
-                      <a:pPr latinLnBrk="1"/>
-                      <a:r>
-                        <a:rPr lang="en-US" altLang="ko-KR" dirty="0"/>
+                      <a:pPr algn="ctr" latinLnBrk="1"/>
+                      <a:r>
+                        <a:rPr lang="en-US" altLang="ko-KR" b="1" dirty="0"/>
                         <a:t>22</a:t>
                       </a:r>
-                      <a:endParaRPr lang="ko-KR" altLang="en-US" dirty="0"/>
+                      <a:endParaRPr lang="ko-KR" altLang="en-US" b="1" dirty="0"/>
                     </a:p>
                   </a:txBody>
-                  <a:tcPr/>
+                  <a:tcPr anchor="ctr"/>
                 </a:tc>
                 <a:extLst>
                   <a:ext uri="{0D108BD9-81ED-4DB2-BD59-A6C34878D82A}">
@@ -7623,36 +7642,36 @@
                   </a:ext>
                 </a:extLst>
               </a:tr>
-              <a:tr h="516924">
+              <a:tr h="506850">
                 <a:tc>
                   <a:txBody>
                     <a:bodyPr/>
                     <a:lstStyle/>
                     <a:p>
-                      <a:pPr latinLnBrk="1"/>
-                      <a:r>
-                        <a:rPr lang="en-US" altLang="ko-KR" dirty="0"/>
+                      <a:pPr algn="l" latinLnBrk="1"/>
+                      <a:r>
+                        <a:rPr lang="en-US" altLang="ko-KR" b="1" dirty="0"/>
                         <a:t>12/08</a:t>
                       </a:r>
-                      <a:endParaRPr lang="ko-KR" altLang="en-US" dirty="0"/>
+                      <a:endParaRPr lang="ko-KR" altLang="en-US" b="1" dirty="0"/>
                     </a:p>
                   </a:txBody>
-                  <a:tcPr/>
+                  <a:tcPr anchor="ctr"/>
                 </a:tc>
                 <a:tc>
                   <a:txBody>
                     <a:bodyPr/>
                     <a:lstStyle/>
                     <a:p>
-                      <a:pPr latinLnBrk="1"/>
-                      <a:r>
-                        <a:rPr lang="en-US" altLang="ko-KR" dirty="0"/>
-                        <a:t>1</a:t>
-                      </a:r>
-                      <a:endParaRPr lang="ko-KR" altLang="en-US" dirty="0"/>
+                      <a:pPr algn="ctr" latinLnBrk="1"/>
+                      <a:r>
+                        <a:rPr lang="en-US" altLang="ko-KR" b="1" dirty="0"/>
+                        <a:t>4</a:t>
+                      </a:r>
+                      <a:endParaRPr lang="ko-KR" altLang="en-US" b="1" dirty="0"/>
                     </a:p>
                   </a:txBody>
-                  <a:tcPr/>
+                  <a:tcPr anchor="ctr"/>
                 </a:tc>
                 <a:extLst>
                   <a:ext uri="{0D108BD9-81ED-4DB2-BD59-A6C34878D82A}">
@@ -7664,12 +7683,48 @@
           </a:graphicData>
         </a:graphic>
       </p:graphicFrame>
+      <p:sp>
+        <p:nvSpPr>
+          <p:cNvPr id="3" name="TextBox 2">
+            <a:extLst>
+              <a:ext uri="{FF2B5EF4-FFF2-40B4-BE49-F238E27FC236}">
+                <a16:creationId xmlns:a16="http://schemas.microsoft.com/office/drawing/2014/main" id="{F144FB13-2799-06F4-FEA8-C20D3980D00C}"/>
+              </a:ext>
+            </a:extLst>
+          </p:cNvPr>
+          <p:cNvSpPr txBox="1"/>
+          <p:nvPr/>
+        </p:nvSpPr>
+        <p:spPr>
+          <a:xfrm>
+            <a:off x="1990253" y="833415"/>
+            <a:ext cx="3405612" cy="553998"/>
+          </a:xfrm>
+          <a:prstGeom prst="rect">
+            <a:avLst/>
+          </a:prstGeom>
+          <a:noFill/>
+        </p:spPr>
+        <p:txBody>
+          <a:bodyPr wrap="square" rtlCol="0">
+            <a:spAutoFit/>
+          </a:bodyPr>
+          <a:lstStyle/>
+          <a:p>
+            <a:r>
+              <a:rPr lang="en-US" altLang="ko-KR" sz="3000" dirty="0"/>
+              <a:t>COMMITS</a:t>
+            </a:r>
+            <a:endParaRPr lang="ko-KR" altLang="en-US" sz="3000" dirty="0"/>
+          </a:p>
+        </p:txBody>
+      </p:sp>
       <p:pic>
         <p:nvPicPr>
-          <p:cNvPr id="8" name="그림 7">
+          <p:cNvPr id="5" name="그림 4">
             <a:extLst>
               <a:ext uri="{FF2B5EF4-FFF2-40B4-BE49-F238E27FC236}">
-                <a16:creationId xmlns:a16="http://schemas.microsoft.com/office/drawing/2014/main" id="{54C0278F-0118-2143-637C-A5B7FF9650AA}"/>
+                <a16:creationId xmlns:a16="http://schemas.microsoft.com/office/drawing/2014/main" id="{E60BA61C-8A1F-39BE-98F9-D41701AFCFDB}"/>
               </a:ext>
             </a:extLst>
           </p:cNvPr>
@@ -7686,8 +7741,8 @@
         </p:blipFill>
         <p:spPr>
           <a:xfrm>
-            <a:off x="1066801" y="642594"/>
-            <a:ext cx="3007228" cy="4201213"/>
+            <a:off x="875168" y="1807879"/>
+            <a:ext cx="4271523" cy="3524611"/>
           </a:xfrm>
           <a:prstGeom prst="rect">
             <a:avLst/>

--- a/발표자료/2DGP_프로젝트_3차.pptx
+++ b/발표자료/2DGP_프로젝트_3차.pptx
@@ -5851,7 +5851,7 @@
                   </a:schemeClr>
                 </a:solidFill>
               </a:rPr>
-              <a:t>2</a:t>
+              <a:t>3</a:t>
             </a:r>
             <a:r>
               <a:rPr lang="ko-KR" altLang="en-US" sz="6000" b="1" dirty="0">
@@ -6077,7 +6077,7 @@
           <p:nvPr>
             <p:extLst>
               <p:ext uri="{D42A27DB-BD31-4B8C-83A1-F6EECF244321}">
-                <p14:modId xmlns:p14="http://schemas.microsoft.com/office/powerpoint/2010/main" val="3774671417"/>
+                <p14:modId xmlns:p14="http://schemas.microsoft.com/office/powerpoint/2010/main" val="2526924704"/>
               </p:ext>
             </p:extLst>
           </p:nvPr>
@@ -6248,7 +6248,7 @@
                       <a:pPr algn="ctr" latinLnBrk="1"/>
                       <a:r>
                         <a:rPr lang="en-US" altLang="ko-KR" dirty="0"/>
-                        <a:t>1, 2, 3</a:t>
+                        <a:t>1, 2, 3 </a:t>
                       </a:r>
                       <a:r>
                         <a:rPr lang="ko-KR" altLang="en-US" dirty="0"/>
@@ -6459,14 +6459,6 @@
                       <a:pPr algn="ctr" latinLnBrk="1"/>
                       <a:r>
                         <a:rPr lang="ko-KR" altLang="en-US" dirty="0"/>
-                        <a:t>상점</a:t>
-                      </a:r>
-                      <a:r>
-                        <a:rPr lang="en-US" altLang="ko-KR" dirty="0"/>
-                        <a:t>, </a:t>
-                      </a:r>
-                      <a:r>
-                        <a:rPr lang="ko-KR" altLang="en-US" dirty="0"/>
                         <a:t>플레이어</a:t>
                       </a:r>
                       <a:r>
@@ -6483,20 +6475,31 @@
                       </a:r>
                       <a:r>
                         <a:rPr lang="ko-KR" altLang="en-US" dirty="0"/>
-                        <a:t>몬스터 </a:t>
-                      </a:r>
-                      <a:r>
-                        <a:rPr lang="ko-KR" altLang="en-US" dirty="0" err="1"/>
-                        <a:t>끼리의</a:t>
-                      </a:r>
-                      <a:r>
-                        <a:rPr lang="ko-KR" altLang="en-US" dirty="0"/>
-                        <a:t> 상호작용</a:t>
+                        <a:t>몬스터 등</a:t>
                       </a:r>
                       <a:endParaRPr lang="en-US" altLang="ko-KR" dirty="0"/>
                     </a:p>
                     <a:p>
                       <a:pPr algn="ctr" latinLnBrk="1"/>
+                      <a:r>
+                        <a:rPr lang="ko-KR" altLang="en-US" dirty="0"/>
+                        <a:t>많은 객체들의 상호작용</a:t>
+                      </a:r>
+                      <a:r>
+                        <a:rPr lang="en-US" altLang="ko-KR" dirty="0"/>
+                        <a:t>,</a:t>
+                      </a:r>
+                    </a:p>
+                    <a:p>
+                      <a:pPr algn="ctr" latinLnBrk="1"/>
+                      <a:r>
+                        <a:rPr lang="ko-KR" altLang="en-US" dirty="0"/>
+                        <a:t>상점</a:t>
+                      </a:r>
+                      <a:r>
+                        <a:rPr lang="en-US" altLang="ko-KR" dirty="0"/>
+                        <a:t>, </a:t>
+                      </a:r>
                       <a:r>
                         <a:rPr lang="ko-KR" altLang="en-US" dirty="0"/>
                         <a:t>랜덤 맵 생성</a:t>
